--- a/docs/source/images/GasGiantGridDiagram.pptx
+++ b/docs/source/images/GasGiantGridDiagram.pptx
@@ -6,17 +6,18 @@
   </p:sldMasterIdLst>
   <p:sldIdLst>
     <p:sldId id="256" r:id="rId2"/>
+    <p:sldId id="257" r:id="rId3"/>
   </p:sldIdLst>
   <p:sldSz cx="12192000" cy="20116800"/>
   <p:notesSz cx="6858000" cy="9144000"/>
   <p:embeddedFontLst>
     <p:embeddedFont>
       <p:font typeface="Cubano" pitchFamily="2" charset="0"/>
-      <p:regular r:id="rId3"/>
+      <p:regular r:id="rId4"/>
     </p:embeddedFont>
     <p:embeddedFont>
       <p:font typeface="Montserrat" pitchFamily="2" charset="77"/>
-      <p:regular r:id="rId4"/>
+      <p:regular r:id="rId5"/>
     </p:embeddedFont>
   </p:embeddedFontLst>
   <p:defaultTextStyle>
@@ -253,7 +254,7 @@
           <a:p>
             <a:fld id="{87942819-11AB-1648-BCC9-D8D9EF54700A}" type="datetimeFigureOut">
               <a:rPr lang="en-US" smtClean="0"/>
-              <a:t>1/12/26</a:t>
+              <a:t>1/28/26</a:t>
             </a:fld>
             <a:endParaRPr lang="en-US"/>
           </a:p>
@@ -423,7 +424,7 @@
           <a:p>
             <a:fld id="{87942819-11AB-1648-BCC9-D8D9EF54700A}" type="datetimeFigureOut">
               <a:rPr lang="en-US" smtClean="0"/>
-              <a:t>1/12/26</a:t>
+              <a:t>1/28/26</a:t>
             </a:fld>
             <a:endParaRPr lang="en-US"/>
           </a:p>
@@ -603,7 +604,7 @@
           <a:p>
             <a:fld id="{87942819-11AB-1648-BCC9-D8D9EF54700A}" type="datetimeFigureOut">
               <a:rPr lang="en-US" smtClean="0"/>
-              <a:t>1/12/26</a:t>
+              <a:t>1/28/26</a:t>
             </a:fld>
             <a:endParaRPr lang="en-US"/>
           </a:p>
@@ -773,7 +774,7 @@
           <a:p>
             <a:fld id="{87942819-11AB-1648-BCC9-D8D9EF54700A}" type="datetimeFigureOut">
               <a:rPr lang="en-US" smtClean="0"/>
-              <a:t>1/12/26</a:t>
+              <a:t>1/28/26</a:t>
             </a:fld>
             <a:endParaRPr lang="en-US"/>
           </a:p>
@@ -1019,7 +1020,7 @@
           <a:p>
             <a:fld id="{87942819-11AB-1648-BCC9-D8D9EF54700A}" type="datetimeFigureOut">
               <a:rPr lang="en-US" smtClean="0"/>
-              <a:t>1/12/26</a:t>
+              <a:t>1/28/26</a:t>
             </a:fld>
             <a:endParaRPr lang="en-US"/>
           </a:p>
@@ -1251,7 +1252,7 @@
           <a:p>
             <a:fld id="{87942819-11AB-1648-BCC9-D8D9EF54700A}" type="datetimeFigureOut">
               <a:rPr lang="en-US" smtClean="0"/>
-              <a:t>1/12/26</a:t>
+              <a:t>1/28/26</a:t>
             </a:fld>
             <a:endParaRPr lang="en-US"/>
           </a:p>
@@ -1618,7 +1619,7 @@
           <a:p>
             <a:fld id="{87942819-11AB-1648-BCC9-D8D9EF54700A}" type="datetimeFigureOut">
               <a:rPr lang="en-US" smtClean="0"/>
-              <a:t>1/12/26</a:t>
+              <a:t>1/28/26</a:t>
             </a:fld>
             <a:endParaRPr lang="en-US"/>
           </a:p>
@@ -1736,7 +1737,7 @@
           <a:p>
             <a:fld id="{87942819-11AB-1648-BCC9-D8D9EF54700A}" type="datetimeFigureOut">
               <a:rPr lang="en-US" smtClean="0"/>
-              <a:t>1/12/26</a:t>
+              <a:t>1/28/26</a:t>
             </a:fld>
             <a:endParaRPr lang="en-US"/>
           </a:p>
@@ -1831,7 +1832,7 @@
           <a:p>
             <a:fld id="{87942819-11AB-1648-BCC9-D8D9EF54700A}" type="datetimeFigureOut">
               <a:rPr lang="en-US" smtClean="0"/>
-              <a:t>1/12/26</a:t>
+              <a:t>1/28/26</a:t>
             </a:fld>
             <a:endParaRPr lang="en-US"/>
           </a:p>
@@ -2108,7 +2109,7 @@
           <a:p>
             <a:fld id="{87942819-11AB-1648-BCC9-D8D9EF54700A}" type="datetimeFigureOut">
               <a:rPr lang="en-US" smtClean="0"/>
-              <a:t>1/12/26</a:t>
+              <a:t>1/28/26</a:t>
             </a:fld>
             <a:endParaRPr lang="en-US"/>
           </a:p>
@@ -2365,7 +2366,7 @@
           <a:p>
             <a:fld id="{87942819-11AB-1648-BCC9-D8D9EF54700A}" type="datetimeFigureOut">
               <a:rPr lang="en-US" smtClean="0"/>
-              <a:t>1/12/26</a:t>
+              <a:t>1/28/26</a:t>
             </a:fld>
             <a:endParaRPr lang="en-US"/>
           </a:p>
@@ -2578,7 +2579,7 @@
           <a:p>
             <a:fld id="{87942819-11AB-1648-BCC9-D8D9EF54700A}" type="datetimeFigureOut">
               <a:rPr lang="en-US" smtClean="0"/>
-              <a:t>1/12/26</a:t>
+              <a:t>1/28/26</a:t>
             </a:fld>
             <a:endParaRPr lang="en-US"/>
           </a:p>
@@ -7892,6 +7893,1639 @@
     <p:extLst>
       <p:ext uri="{BB962C8B-B14F-4D97-AF65-F5344CB8AC3E}">
         <p14:creationId xmlns:p14="http://schemas.microsoft.com/office/powerpoint/2010/main" val="1660978026"/>
+      </p:ext>
+    </p:extLst>
+  </p:cSld>
+  <p:clrMapOvr>
+    <a:masterClrMapping/>
+  </p:clrMapOvr>
+</p:sld>
+</file>
+
+<file path=ppt/slides/slide2.xml><?xml version="1.0" encoding="utf-8"?>
+<p:sld xmlns:a="http://schemas.openxmlformats.org/drawingml/2006/main" xmlns:r="http://schemas.openxmlformats.org/officeDocument/2006/relationships" xmlns:p="http://schemas.openxmlformats.org/presentationml/2006/main">
+  <p:cSld>
+    <p:spTree>
+      <p:nvGrpSpPr>
+        <p:cNvPr id="1" name=""/>
+        <p:cNvGrpSpPr/>
+        <p:nvPr/>
+      </p:nvGrpSpPr>
+      <p:grpSpPr>
+        <a:xfrm>
+          <a:off x="0" y="0"/>
+          <a:ext cx="0" cy="0"/>
+          <a:chOff x="0" y="0"/>
+          <a:chExt cx="0" cy="0"/>
+        </a:xfrm>
+      </p:grpSpPr>
+      <p:sp>
+        <p:nvSpPr>
+          <p:cNvPr id="4" name="Rounded Rectangle 3">
+            <a:extLst>
+              <a:ext uri="{FF2B5EF4-FFF2-40B4-BE49-F238E27FC236}">
+                <a16:creationId xmlns:a16="http://schemas.microsoft.com/office/drawing/2014/main" id="{DE167644-7760-A4D6-2987-8151F592A76D}"/>
+              </a:ext>
+            </a:extLst>
+          </p:cNvPr>
+          <p:cNvSpPr/>
+          <p:nvPr/>
+        </p:nvSpPr>
+        <p:spPr>
+          <a:xfrm>
+            <a:off x="874736" y="7647813"/>
+            <a:ext cx="1865376" cy="3026664"/>
+          </a:xfrm>
+          <a:prstGeom prst="roundRect">
+            <a:avLst/>
+          </a:prstGeom>
+          <a:solidFill>
+            <a:schemeClr val="bg1">
+              <a:lumMod val="65000"/>
+            </a:schemeClr>
+          </a:solidFill>
+          <a:ln>
+            <a:solidFill>
+              <a:schemeClr val="tx1">
+                <a:lumMod val="75000"/>
+                <a:lumOff val="25000"/>
+              </a:schemeClr>
+            </a:solidFill>
+          </a:ln>
+        </p:spPr>
+        <p:style>
+          <a:lnRef idx="2">
+            <a:schemeClr val="accent1">
+              <a:shade val="15000"/>
+            </a:schemeClr>
+          </a:lnRef>
+          <a:fillRef idx="1">
+            <a:schemeClr val="accent1"/>
+          </a:fillRef>
+          <a:effectRef idx="0">
+            <a:schemeClr val="accent1"/>
+          </a:effectRef>
+          <a:fontRef idx="minor">
+            <a:schemeClr val="lt1"/>
+          </a:fontRef>
+        </p:style>
+        <p:txBody>
+          <a:bodyPr rtlCol="0" anchor="t" anchorCtr="0"/>
+          <a:lstStyle/>
+          <a:p>
+            <a:pPr algn="ctr"/>
+            <a:r>
+              <a:rPr lang="en-US" dirty="0"/>
+              <a:t>Radius = 4 </a:t>
+            </a:r>
+            <a:r>
+              <a:rPr lang="en-US" dirty="0" err="1"/>
+              <a:t>Rearth</a:t>
+            </a:r>
+            <a:r>
+              <a:rPr lang="en-US" dirty="0"/>
+              <a:t> = 0.35Rjup</a:t>
+            </a:r>
+          </a:p>
+          <a:p>
+            <a:pPr algn="ctr"/>
+            <a:endParaRPr lang="en-US" dirty="0"/>
+          </a:p>
+          <a:p>
+            <a:pPr algn="ctr"/>
+            <a:r>
+              <a:rPr lang="en-US" dirty="0"/>
+              <a:t>Mass = 17Mearth = 0.05Mjup</a:t>
+            </a:r>
+          </a:p>
+          <a:p>
+            <a:pPr algn="ctr"/>
+            <a:endParaRPr lang="en-US" dirty="0"/>
+          </a:p>
+          <a:p>
+            <a:pPr algn="ctr"/>
+            <a:r>
+              <a:rPr lang="en-US" dirty="0"/>
+              <a:t>Metallicity = 100</a:t>
+            </a:r>
+          </a:p>
+        </p:txBody>
+      </p:sp>
+      <p:sp>
+        <p:nvSpPr>
+          <p:cNvPr id="5" name="Rounded Rectangle 4">
+            <a:extLst>
+              <a:ext uri="{FF2B5EF4-FFF2-40B4-BE49-F238E27FC236}">
+                <a16:creationId xmlns:a16="http://schemas.microsoft.com/office/drawing/2014/main" id="{C58613B8-0A45-D984-E0A3-535A8FDE7667}"/>
+              </a:ext>
+            </a:extLst>
+          </p:cNvPr>
+          <p:cNvSpPr/>
+          <p:nvPr/>
+        </p:nvSpPr>
+        <p:spPr>
+          <a:xfrm>
+            <a:off x="3054056" y="7647814"/>
+            <a:ext cx="1865376" cy="3026663"/>
+          </a:xfrm>
+          <a:prstGeom prst="roundRect">
+            <a:avLst/>
+          </a:prstGeom>
+          <a:solidFill>
+            <a:schemeClr val="bg1">
+              <a:lumMod val="65000"/>
+            </a:schemeClr>
+          </a:solidFill>
+          <a:ln>
+            <a:solidFill>
+              <a:schemeClr val="tx1">
+                <a:lumMod val="75000"/>
+                <a:lumOff val="25000"/>
+              </a:schemeClr>
+            </a:solidFill>
+          </a:ln>
+        </p:spPr>
+        <p:style>
+          <a:lnRef idx="2">
+            <a:schemeClr val="accent1">
+              <a:shade val="15000"/>
+            </a:schemeClr>
+          </a:lnRef>
+          <a:fillRef idx="1">
+            <a:schemeClr val="accent1"/>
+          </a:fillRef>
+          <a:effectRef idx="0">
+            <a:schemeClr val="accent1"/>
+          </a:effectRef>
+          <a:fontRef idx="minor">
+            <a:schemeClr val="lt1"/>
+          </a:fontRef>
+        </p:style>
+        <p:txBody>
+          <a:bodyPr rtlCol="0" anchor="ctr"/>
+          <a:lstStyle/>
+          <a:p>
+            <a:pPr algn="ctr"/>
+            <a:r>
+              <a:rPr lang="en-US" dirty="0"/>
+              <a:t>Radius = 6 </a:t>
+            </a:r>
+            <a:r>
+              <a:rPr lang="en-US" dirty="0" err="1"/>
+              <a:t>Rearth</a:t>
+            </a:r>
+            <a:r>
+              <a:rPr lang="en-US" dirty="0"/>
+              <a:t> = 0.54Rjup</a:t>
+            </a:r>
+          </a:p>
+          <a:p>
+            <a:pPr algn="ctr"/>
+            <a:endParaRPr lang="en-US" dirty="0"/>
+          </a:p>
+          <a:p>
+            <a:pPr algn="ctr"/>
+            <a:r>
+              <a:rPr lang="en-US" dirty="0"/>
+              <a:t>Mass = 30Mearth = 0.09Mjup</a:t>
+            </a:r>
+          </a:p>
+          <a:p>
+            <a:pPr algn="ctr"/>
+            <a:endParaRPr lang="en-US" dirty="0"/>
+          </a:p>
+          <a:p>
+            <a:pPr algn="ctr"/>
+            <a:r>
+              <a:rPr lang="en-US" dirty="0"/>
+              <a:t>Metallicity = 50</a:t>
+            </a:r>
+          </a:p>
+        </p:txBody>
+      </p:sp>
+      <p:sp>
+        <p:nvSpPr>
+          <p:cNvPr id="6" name="Rounded Rectangle 5">
+            <a:extLst>
+              <a:ext uri="{FF2B5EF4-FFF2-40B4-BE49-F238E27FC236}">
+                <a16:creationId xmlns:a16="http://schemas.microsoft.com/office/drawing/2014/main" id="{AE3C680A-06C2-67DC-4F38-A167FE38AAC2}"/>
+              </a:ext>
+            </a:extLst>
+          </p:cNvPr>
+          <p:cNvSpPr/>
+          <p:nvPr/>
+        </p:nvSpPr>
+        <p:spPr>
+          <a:xfrm>
+            <a:off x="5233376" y="7647813"/>
+            <a:ext cx="1865376" cy="3026662"/>
+          </a:xfrm>
+          <a:prstGeom prst="roundRect">
+            <a:avLst/>
+          </a:prstGeom>
+          <a:solidFill>
+            <a:schemeClr val="bg1">
+              <a:lumMod val="65000"/>
+            </a:schemeClr>
+          </a:solidFill>
+          <a:ln>
+            <a:solidFill>
+              <a:schemeClr val="tx1">
+                <a:lumMod val="75000"/>
+                <a:lumOff val="25000"/>
+              </a:schemeClr>
+            </a:solidFill>
+          </a:ln>
+        </p:spPr>
+        <p:style>
+          <a:lnRef idx="2">
+            <a:schemeClr val="accent1">
+              <a:shade val="15000"/>
+            </a:schemeClr>
+          </a:lnRef>
+          <a:fillRef idx="1">
+            <a:schemeClr val="accent1"/>
+          </a:fillRef>
+          <a:effectRef idx="0">
+            <a:schemeClr val="accent1"/>
+          </a:effectRef>
+          <a:fontRef idx="minor">
+            <a:schemeClr val="lt1"/>
+          </a:fontRef>
+        </p:style>
+        <p:txBody>
+          <a:bodyPr rtlCol="0" anchor="ctr"/>
+          <a:lstStyle/>
+          <a:p>
+            <a:pPr algn="ctr"/>
+            <a:r>
+              <a:rPr lang="en-US" dirty="0"/>
+              <a:t>Radius = 9 </a:t>
+            </a:r>
+            <a:r>
+              <a:rPr lang="en-US" dirty="0" err="1"/>
+              <a:t>Rearth</a:t>
+            </a:r>
+            <a:r>
+              <a:rPr lang="en-US" dirty="0"/>
+              <a:t> = 0.8Rjup</a:t>
+            </a:r>
+          </a:p>
+          <a:p>
+            <a:pPr algn="ctr"/>
+            <a:endParaRPr lang="en-US" dirty="0"/>
+          </a:p>
+          <a:p>
+            <a:pPr algn="ctr"/>
+            <a:r>
+              <a:rPr lang="en-US" dirty="0"/>
+              <a:t>Mass = 95Mearth = 0.3Mjup</a:t>
+            </a:r>
+          </a:p>
+          <a:p>
+            <a:pPr algn="ctr"/>
+            <a:endParaRPr lang="en-US" dirty="0"/>
+          </a:p>
+          <a:p>
+            <a:pPr algn="ctr"/>
+            <a:r>
+              <a:rPr lang="en-US" dirty="0"/>
+              <a:t>Metallicity = 10</a:t>
+            </a:r>
+          </a:p>
+        </p:txBody>
+      </p:sp>
+      <p:sp>
+        <p:nvSpPr>
+          <p:cNvPr id="7" name="Rounded Rectangle 6">
+            <a:extLst>
+              <a:ext uri="{FF2B5EF4-FFF2-40B4-BE49-F238E27FC236}">
+                <a16:creationId xmlns:a16="http://schemas.microsoft.com/office/drawing/2014/main" id="{C2E31137-8971-6C46-BBD2-AD3B3415F573}"/>
+              </a:ext>
+            </a:extLst>
+          </p:cNvPr>
+          <p:cNvSpPr/>
+          <p:nvPr/>
+        </p:nvSpPr>
+        <p:spPr>
+          <a:xfrm>
+            <a:off x="7348688" y="7647814"/>
+            <a:ext cx="1865376" cy="3026661"/>
+          </a:xfrm>
+          <a:prstGeom prst="roundRect">
+            <a:avLst/>
+          </a:prstGeom>
+          <a:solidFill>
+            <a:schemeClr val="bg1">
+              <a:lumMod val="65000"/>
+            </a:schemeClr>
+          </a:solidFill>
+          <a:ln>
+            <a:solidFill>
+              <a:schemeClr val="tx1">
+                <a:lumMod val="75000"/>
+                <a:lumOff val="25000"/>
+              </a:schemeClr>
+            </a:solidFill>
+          </a:ln>
+        </p:spPr>
+        <p:style>
+          <a:lnRef idx="2">
+            <a:schemeClr val="accent1">
+              <a:shade val="15000"/>
+            </a:schemeClr>
+          </a:lnRef>
+          <a:fillRef idx="1">
+            <a:schemeClr val="accent1"/>
+          </a:fillRef>
+          <a:effectRef idx="0">
+            <a:schemeClr val="accent1"/>
+          </a:effectRef>
+          <a:fontRef idx="minor">
+            <a:schemeClr val="lt1"/>
+          </a:fontRef>
+        </p:style>
+        <p:txBody>
+          <a:bodyPr rtlCol="0" anchor="ctr"/>
+          <a:lstStyle/>
+          <a:p>
+            <a:pPr algn="ctr"/>
+            <a:r>
+              <a:rPr lang="en-US" dirty="0"/>
+              <a:t>Radius = 11Rearth = 1Rjup</a:t>
+            </a:r>
+          </a:p>
+          <a:p>
+            <a:pPr algn="ctr"/>
+            <a:endParaRPr lang="en-US" dirty="0"/>
+          </a:p>
+          <a:p>
+            <a:pPr algn="ctr"/>
+            <a:r>
+              <a:rPr lang="en-US" dirty="0"/>
+              <a:t>Mass = 317Mearth = 1Mjup</a:t>
+            </a:r>
+          </a:p>
+          <a:p>
+            <a:pPr algn="ctr"/>
+            <a:endParaRPr lang="en-US" dirty="0"/>
+          </a:p>
+          <a:p>
+            <a:pPr algn="ctr"/>
+            <a:r>
+              <a:rPr lang="en-US" dirty="0"/>
+              <a:t>Metallicity = 3</a:t>
+            </a:r>
+          </a:p>
+        </p:txBody>
+      </p:sp>
+      <p:sp>
+        <p:nvSpPr>
+          <p:cNvPr id="8" name="Rounded Rectangle 7">
+            <a:extLst>
+              <a:ext uri="{FF2B5EF4-FFF2-40B4-BE49-F238E27FC236}">
+                <a16:creationId xmlns:a16="http://schemas.microsoft.com/office/drawing/2014/main" id="{28D4ACD1-6293-F751-BE98-F58E03B9FADB}"/>
+              </a:ext>
+            </a:extLst>
+          </p:cNvPr>
+          <p:cNvSpPr/>
+          <p:nvPr/>
+        </p:nvSpPr>
+        <p:spPr>
+          <a:xfrm>
+            <a:off x="9464000" y="7647813"/>
+            <a:ext cx="1865376" cy="3026660"/>
+          </a:xfrm>
+          <a:prstGeom prst="roundRect">
+            <a:avLst/>
+          </a:prstGeom>
+          <a:solidFill>
+            <a:schemeClr val="bg1">
+              <a:lumMod val="65000"/>
+            </a:schemeClr>
+          </a:solidFill>
+          <a:ln>
+            <a:solidFill>
+              <a:schemeClr val="tx1">
+                <a:lumMod val="75000"/>
+                <a:lumOff val="25000"/>
+              </a:schemeClr>
+            </a:solidFill>
+          </a:ln>
+        </p:spPr>
+        <p:style>
+          <a:lnRef idx="2">
+            <a:schemeClr val="accent1">
+              <a:shade val="15000"/>
+            </a:schemeClr>
+          </a:lnRef>
+          <a:fillRef idx="1">
+            <a:schemeClr val="accent1"/>
+          </a:fillRef>
+          <a:effectRef idx="0">
+            <a:schemeClr val="accent1"/>
+          </a:effectRef>
+          <a:fontRef idx="minor">
+            <a:schemeClr val="lt1"/>
+          </a:fontRef>
+        </p:style>
+        <p:txBody>
+          <a:bodyPr rtlCol="0" anchor="ctr"/>
+          <a:lstStyle/>
+          <a:p>
+            <a:pPr algn="ctr"/>
+            <a:r>
+              <a:rPr lang="en-US" dirty="0"/>
+              <a:t>Radius = 10 </a:t>
+            </a:r>
+            <a:r>
+              <a:rPr lang="en-US" dirty="0" err="1"/>
+              <a:t>Rearth</a:t>
+            </a:r>
+            <a:r>
+              <a:rPr lang="en-US" dirty="0"/>
+              <a:t> = 0.9Rjup</a:t>
+            </a:r>
+          </a:p>
+          <a:p>
+            <a:pPr algn="ctr"/>
+            <a:endParaRPr lang="en-US" dirty="0"/>
+          </a:p>
+          <a:p>
+            <a:pPr algn="ctr"/>
+            <a:r>
+              <a:rPr lang="en-US" dirty="0"/>
+              <a:t>Mass = 1560Mearth = 5Mjup</a:t>
+            </a:r>
+          </a:p>
+          <a:p>
+            <a:pPr algn="ctr"/>
+            <a:endParaRPr lang="en-US" dirty="0"/>
+          </a:p>
+          <a:p>
+            <a:pPr algn="ctr"/>
+            <a:r>
+              <a:rPr lang="en-US" dirty="0"/>
+              <a:t>Metallicity = 1</a:t>
+            </a:r>
+          </a:p>
+        </p:txBody>
+      </p:sp>
+      <p:sp>
+        <p:nvSpPr>
+          <p:cNvPr id="9" name="TextBox 8">
+            <a:extLst>
+              <a:ext uri="{FF2B5EF4-FFF2-40B4-BE49-F238E27FC236}">
+                <a16:creationId xmlns:a16="http://schemas.microsoft.com/office/drawing/2014/main" id="{48FA87A1-DE7A-A75B-CA3F-3AD2869BF254}"/>
+              </a:ext>
+            </a:extLst>
+          </p:cNvPr>
+          <p:cNvSpPr txBox="1"/>
+          <p:nvPr/>
+        </p:nvSpPr>
+        <p:spPr>
+          <a:xfrm>
+            <a:off x="1304434" y="7278481"/>
+            <a:ext cx="1005981" cy="369332"/>
+          </a:xfrm>
+          <a:prstGeom prst="rect">
+            <a:avLst/>
+          </a:prstGeom>
+          <a:noFill/>
+        </p:spPr>
+        <p:txBody>
+          <a:bodyPr wrap="none" rtlCol="0">
+            <a:spAutoFit/>
+          </a:bodyPr>
+          <a:lstStyle/>
+          <a:p>
+            <a:r>
+              <a:rPr lang="en-US" dirty="0"/>
+              <a:t>Neptune</a:t>
+            </a:r>
+          </a:p>
+        </p:txBody>
+      </p:sp>
+      <p:pic>
+        <p:nvPicPr>
+          <p:cNvPr id="10" name="Picture 9" descr="A picture containing text, line, diagram, screenshot&#10;&#10;Description automatically generated">
+            <a:extLst>
+              <a:ext uri="{FF2B5EF4-FFF2-40B4-BE49-F238E27FC236}">
+                <a16:creationId xmlns:a16="http://schemas.microsoft.com/office/drawing/2014/main" id="{FD1A9E53-9617-C4C3-93DF-C285958A5BA4}"/>
+              </a:ext>
+            </a:extLst>
+          </p:cNvPr>
+          <p:cNvPicPr>
+            <a:picLocks noChangeAspect="1"/>
+          </p:cNvPicPr>
+          <p:nvPr/>
+        </p:nvPicPr>
+        <p:blipFill>
+          <a:blip r:embed="rId2"/>
+          <a:stretch>
+            <a:fillRect/>
+          </a:stretch>
+        </p:blipFill>
+        <p:spPr>
+          <a:xfrm>
+            <a:off x="1096004" y="11345152"/>
+            <a:ext cx="4864100" cy="2755900"/>
+          </a:xfrm>
+          <a:prstGeom prst="rect">
+            <a:avLst/>
+          </a:prstGeom>
+        </p:spPr>
+      </p:pic>
+      <p:sp>
+        <p:nvSpPr>
+          <p:cNvPr id="11" name="TextBox 10">
+            <a:extLst>
+              <a:ext uri="{FF2B5EF4-FFF2-40B4-BE49-F238E27FC236}">
+                <a16:creationId xmlns:a16="http://schemas.microsoft.com/office/drawing/2014/main" id="{6CE63989-F880-7D7C-08EB-8681BF3C5226}"/>
+              </a:ext>
+            </a:extLst>
+          </p:cNvPr>
+          <p:cNvSpPr txBox="1"/>
+          <p:nvPr/>
+        </p:nvSpPr>
+        <p:spPr>
+          <a:xfrm>
+            <a:off x="3235666" y="6761487"/>
+            <a:ext cx="1502156" cy="923330"/>
+          </a:xfrm>
+          <a:prstGeom prst="rect">
+            <a:avLst/>
+          </a:prstGeom>
+          <a:noFill/>
+        </p:spPr>
+        <p:txBody>
+          <a:bodyPr wrap="square" rtlCol="0">
+            <a:spAutoFit/>
+          </a:bodyPr>
+          <a:lstStyle/>
+          <a:p>
+            <a:r>
+              <a:rPr lang="en-US" dirty="0"/>
+              <a:t>Neptune-Saturn Intermediate</a:t>
+            </a:r>
+          </a:p>
+        </p:txBody>
+      </p:sp>
+      <p:pic>
+        <p:nvPicPr>
+          <p:cNvPr id="12" name="Picture 3">
+            <a:extLst>
+              <a:ext uri="{FF2B5EF4-FFF2-40B4-BE49-F238E27FC236}">
+                <a16:creationId xmlns:a16="http://schemas.microsoft.com/office/drawing/2014/main" id="{17834AE0-3CF7-C9F7-A231-ADAE8A91A148}"/>
+              </a:ext>
+            </a:extLst>
+          </p:cNvPr>
+          <p:cNvPicPr>
+            <a:picLocks noChangeAspect="1" noChangeArrowheads="1"/>
+          </p:cNvPicPr>
+          <p:nvPr/>
+        </p:nvPicPr>
+        <p:blipFill>
+          <a:blip r:embed="rId3">
+            <a:extLst>
+              <a:ext uri="{28A0092B-C50C-407E-A947-70E740481C1C}">
+                <a14:useLocalDpi xmlns:a14="http://schemas.microsoft.com/office/drawing/2010/main" val="0"/>
+              </a:ext>
+            </a:extLst>
+          </a:blip>
+          <a:srcRect/>
+          <a:stretch>
+            <a:fillRect/>
+          </a:stretch>
+        </p:blipFill>
+        <p:spPr bwMode="auto">
+          <a:xfrm>
+            <a:off x="382236" y="3989726"/>
+            <a:ext cx="3812659" cy="2707252"/>
+          </a:xfrm>
+          <a:prstGeom prst="rect">
+            <a:avLst/>
+          </a:prstGeom>
+          <a:noFill/>
+          <a:ln>
+            <a:noFill/>
+          </a:ln>
+          <a:effectLst/>
+          <a:extLst>
+            <a:ext uri="{909E8E84-426E-40DD-AFC4-6F175D3DCCD1}">
+              <a14:hiddenFill xmlns:a14="http://schemas.microsoft.com/office/drawing/2010/main">
+                <a:blipFill dpi="0" rotWithShape="0">
+                  <a:blip/>
+                  <a:srcRect/>
+                  <a:stretch>
+                    <a:fillRect/>
+                  </a:stretch>
+                </a:blipFill>
+              </a14:hiddenFill>
+            </a:ext>
+            <a:ext uri="{91240B29-F687-4F45-9708-019B960494DF}">
+              <a14:hiddenLine xmlns:a14="http://schemas.microsoft.com/office/drawing/2010/main" w="9525" cap="flat">
+                <a:solidFill>
+                  <a:srgbClr val="3465A4"/>
+                </a:solidFill>
+                <a:round/>
+                <a:headEnd/>
+                <a:tailEnd/>
+              </a14:hiddenLine>
+            </a:ext>
+            <a:ext uri="{AF507438-7753-43E0-B8FC-AC1667EBCBE1}">
+              <a14:hiddenEffects xmlns:a14="http://schemas.microsoft.com/office/drawing/2010/main">
+                <a:effectLst>
+                  <a:outerShdw dist="35921" dir="2700000" algn="ctr" rotWithShape="0">
+                    <a:srgbClr val="808080"/>
+                  </a:outerShdw>
+                </a:effectLst>
+              </a14:hiddenEffects>
+            </a:ext>
+          </a:extLst>
+        </p:spPr>
+      </p:pic>
+      <p:sp>
+        <p:nvSpPr>
+          <p:cNvPr id="13" name="Oval 12">
+            <a:extLst>
+              <a:ext uri="{FF2B5EF4-FFF2-40B4-BE49-F238E27FC236}">
+                <a16:creationId xmlns:a16="http://schemas.microsoft.com/office/drawing/2014/main" id="{E12F0D8F-7D23-E426-3985-BE1879135EE8}"/>
+              </a:ext>
+            </a:extLst>
+          </p:cNvPr>
+          <p:cNvSpPr/>
+          <p:nvPr/>
+        </p:nvSpPr>
+        <p:spPr>
+          <a:xfrm>
+            <a:off x="1247280" y="4584003"/>
+            <a:ext cx="2682312" cy="200025"/>
+          </a:xfrm>
+          <a:prstGeom prst="ellipse">
+            <a:avLst/>
+          </a:prstGeom>
+          <a:noFill/>
+          <a:ln w="19050">
+            <a:solidFill>
+              <a:srgbClr val="FF0000"/>
+            </a:solidFill>
+          </a:ln>
+        </p:spPr>
+        <p:style>
+          <a:lnRef idx="2">
+            <a:schemeClr val="accent1">
+              <a:shade val="15000"/>
+            </a:schemeClr>
+          </a:lnRef>
+          <a:fillRef idx="1">
+            <a:schemeClr val="accent1"/>
+          </a:fillRef>
+          <a:effectRef idx="0">
+            <a:schemeClr val="accent1"/>
+          </a:effectRef>
+          <a:fontRef idx="minor">
+            <a:schemeClr val="lt1"/>
+          </a:fontRef>
+        </p:style>
+        <p:txBody>
+          <a:bodyPr rtlCol="0" anchor="ctr"/>
+          <a:lstStyle/>
+          <a:p>
+            <a:pPr algn="ctr"/>
+            <a:endParaRPr lang="en-US"/>
+          </a:p>
+        </p:txBody>
+      </p:sp>
+      <p:cxnSp>
+        <p:nvCxnSpPr>
+          <p:cNvPr id="14" name="Straight Arrow Connector 13">
+            <a:extLst>
+              <a:ext uri="{FF2B5EF4-FFF2-40B4-BE49-F238E27FC236}">
+                <a16:creationId xmlns:a16="http://schemas.microsoft.com/office/drawing/2014/main" id="{A92508FD-D0B6-5F21-1C24-BEDE4E1A1170}"/>
+              </a:ext>
+            </a:extLst>
+          </p:cNvPr>
+          <p:cNvCxnSpPr>
+            <a:cxnSpLocks/>
+          </p:cNvCxnSpPr>
+          <p:nvPr/>
+        </p:nvCxnSpPr>
+        <p:spPr>
+          <a:xfrm>
+            <a:off x="2588438" y="4784028"/>
+            <a:ext cx="1021639" cy="1977461"/>
+          </a:xfrm>
+          <a:prstGeom prst="straightConnector1">
+            <a:avLst/>
+          </a:prstGeom>
+          <a:ln>
+            <a:solidFill>
+              <a:srgbClr val="FF0000"/>
+            </a:solidFill>
+            <a:tailEnd type="triangle"/>
+          </a:ln>
+        </p:spPr>
+        <p:style>
+          <a:lnRef idx="1">
+            <a:schemeClr val="accent1"/>
+          </a:lnRef>
+          <a:fillRef idx="0">
+            <a:schemeClr val="accent1"/>
+          </a:fillRef>
+          <a:effectRef idx="0">
+            <a:schemeClr val="accent1"/>
+          </a:effectRef>
+          <a:fontRef idx="minor">
+            <a:schemeClr val="tx1"/>
+          </a:fontRef>
+        </p:style>
+      </p:cxnSp>
+      <p:pic>
+        <p:nvPicPr>
+          <p:cNvPr id="15" name="Picture 2">
+            <a:extLst>
+              <a:ext uri="{FF2B5EF4-FFF2-40B4-BE49-F238E27FC236}">
+                <a16:creationId xmlns:a16="http://schemas.microsoft.com/office/drawing/2014/main" id="{9A6DA309-D0C3-479E-A43B-282EC6A551F3}"/>
+              </a:ext>
+            </a:extLst>
+          </p:cNvPr>
+          <p:cNvPicPr>
+            <a:picLocks noChangeAspect="1" noChangeArrowheads="1"/>
+          </p:cNvPicPr>
+          <p:nvPr/>
+        </p:nvPicPr>
+        <p:blipFill>
+          <a:blip r:embed="rId4">
+            <a:extLst>
+              <a:ext uri="{28A0092B-C50C-407E-A947-70E740481C1C}">
+                <a14:useLocalDpi xmlns:a14="http://schemas.microsoft.com/office/drawing/2010/main" val="0"/>
+              </a:ext>
+            </a:extLst>
+          </a:blip>
+          <a:srcRect/>
+          <a:stretch>
+            <a:fillRect/>
+          </a:stretch>
+        </p:blipFill>
+        <p:spPr bwMode="auto">
+          <a:xfrm>
+            <a:off x="4581859" y="3683485"/>
+            <a:ext cx="4579390" cy="3606385"/>
+          </a:xfrm>
+          <a:prstGeom prst="rect">
+            <a:avLst/>
+          </a:prstGeom>
+          <a:noFill/>
+          <a:ln>
+            <a:noFill/>
+          </a:ln>
+          <a:effectLst/>
+          <a:extLst>
+            <a:ext uri="{909E8E84-426E-40DD-AFC4-6F175D3DCCD1}">
+              <a14:hiddenFill xmlns:a14="http://schemas.microsoft.com/office/drawing/2010/main">
+                <a:blipFill dpi="0" rotWithShape="0">
+                  <a:blip/>
+                  <a:srcRect/>
+                  <a:stretch>
+                    <a:fillRect/>
+                  </a:stretch>
+                </a:blipFill>
+              </a14:hiddenFill>
+            </a:ext>
+            <a:ext uri="{91240B29-F687-4F45-9708-019B960494DF}">
+              <a14:hiddenLine xmlns:a14="http://schemas.microsoft.com/office/drawing/2010/main" w="9525" cap="flat">
+                <a:solidFill>
+                  <a:srgbClr val="3465A4"/>
+                </a:solidFill>
+                <a:round/>
+                <a:headEnd/>
+                <a:tailEnd/>
+              </a14:hiddenLine>
+            </a:ext>
+            <a:ext uri="{AF507438-7753-43E0-B8FC-AC1667EBCBE1}">
+              <a14:hiddenEffects xmlns:a14="http://schemas.microsoft.com/office/drawing/2010/main">
+                <a:effectLst>
+                  <a:outerShdw dist="35921" dir="2700000" algn="ctr" rotWithShape="0">
+                    <a:srgbClr val="808080"/>
+                  </a:outerShdw>
+                </a:effectLst>
+              </a14:hiddenEffects>
+            </a:ext>
+          </a:extLst>
+        </p:spPr>
+      </p:pic>
+      <p:cxnSp>
+        <p:nvCxnSpPr>
+          <p:cNvPr id="16" name="Straight Arrow Connector 15">
+            <a:extLst>
+              <a:ext uri="{FF2B5EF4-FFF2-40B4-BE49-F238E27FC236}">
+                <a16:creationId xmlns:a16="http://schemas.microsoft.com/office/drawing/2014/main" id="{08094783-DBE8-BB06-6BB9-611643B183F2}"/>
+              </a:ext>
+            </a:extLst>
+          </p:cNvPr>
+          <p:cNvCxnSpPr>
+            <a:cxnSpLocks/>
+          </p:cNvCxnSpPr>
+          <p:nvPr/>
+        </p:nvCxnSpPr>
+        <p:spPr>
+          <a:xfrm flipV="1">
+            <a:off x="1895721" y="10489391"/>
+            <a:ext cx="1588034" cy="1588236"/>
+          </a:xfrm>
+          <a:prstGeom prst="straightConnector1">
+            <a:avLst/>
+          </a:prstGeom>
+          <a:ln>
+            <a:solidFill>
+              <a:srgbClr val="FF0000"/>
+            </a:solidFill>
+            <a:tailEnd type="triangle"/>
+          </a:ln>
+        </p:spPr>
+        <p:style>
+          <a:lnRef idx="1">
+            <a:schemeClr val="accent1"/>
+          </a:lnRef>
+          <a:fillRef idx="0">
+            <a:schemeClr val="accent1"/>
+          </a:fillRef>
+          <a:effectRef idx="0">
+            <a:schemeClr val="accent1"/>
+          </a:effectRef>
+          <a:fontRef idx="minor">
+            <a:schemeClr val="tx1"/>
+          </a:fontRef>
+        </p:style>
+      </p:cxnSp>
+      <p:cxnSp>
+        <p:nvCxnSpPr>
+          <p:cNvPr id="17" name="Straight Connector 16">
+            <a:extLst>
+              <a:ext uri="{FF2B5EF4-FFF2-40B4-BE49-F238E27FC236}">
+                <a16:creationId xmlns:a16="http://schemas.microsoft.com/office/drawing/2014/main" id="{C5B0AD7A-1E5C-728D-59C8-8DE5A0885FD1}"/>
+              </a:ext>
+            </a:extLst>
+          </p:cNvPr>
+          <p:cNvCxnSpPr>
+            <a:cxnSpLocks/>
+          </p:cNvCxnSpPr>
+          <p:nvPr/>
+        </p:nvCxnSpPr>
+        <p:spPr>
+          <a:xfrm>
+            <a:off x="4817847" y="4926595"/>
+            <a:ext cx="2496054" cy="0"/>
+          </a:xfrm>
+          <a:prstGeom prst="line">
+            <a:avLst/>
+          </a:prstGeom>
+          <a:ln w="19050">
+            <a:solidFill>
+              <a:srgbClr val="FF0000"/>
+            </a:solidFill>
+          </a:ln>
+        </p:spPr>
+        <p:style>
+          <a:lnRef idx="1">
+            <a:schemeClr val="accent1"/>
+          </a:lnRef>
+          <a:fillRef idx="0">
+            <a:schemeClr val="accent1"/>
+          </a:fillRef>
+          <a:effectRef idx="0">
+            <a:schemeClr val="accent1"/>
+          </a:effectRef>
+          <a:fontRef idx="minor">
+            <a:schemeClr val="tx1"/>
+          </a:fontRef>
+        </p:style>
+      </p:cxnSp>
+      <p:cxnSp>
+        <p:nvCxnSpPr>
+          <p:cNvPr id="18" name="Straight Connector 17">
+            <a:extLst>
+              <a:ext uri="{FF2B5EF4-FFF2-40B4-BE49-F238E27FC236}">
+                <a16:creationId xmlns:a16="http://schemas.microsoft.com/office/drawing/2014/main" id="{C46B5BFD-D4D1-9800-EF47-5E6BA684D5E7}"/>
+              </a:ext>
+            </a:extLst>
+          </p:cNvPr>
+          <p:cNvCxnSpPr>
+            <a:cxnSpLocks/>
+          </p:cNvCxnSpPr>
+          <p:nvPr/>
+        </p:nvCxnSpPr>
+        <p:spPr>
+          <a:xfrm flipV="1">
+            <a:off x="7313901" y="4926597"/>
+            <a:ext cx="0" cy="2028825"/>
+          </a:xfrm>
+          <a:prstGeom prst="line">
+            <a:avLst/>
+          </a:prstGeom>
+          <a:ln w="19050">
+            <a:solidFill>
+              <a:srgbClr val="FF0000"/>
+            </a:solidFill>
+          </a:ln>
+        </p:spPr>
+        <p:style>
+          <a:lnRef idx="1">
+            <a:schemeClr val="accent1"/>
+          </a:lnRef>
+          <a:fillRef idx="0">
+            <a:schemeClr val="accent1"/>
+          </a:fillRef>
+          <a:effectRef idx="0">
+            <a:schemeClr val="accent1"/>
+          </a:effectRef>
+          <a:fontRef idx="minor">
+            <a:schemeClr val="tx1"/>
+          </a:fontRef>
+        </p:style>
+      </p:cxnSp>
+      <p:cxnSp>
+        <p:nvCxnSpPr>
+          <p:cNvPr id="19" name="Straight Connector 18">
+            <a:extLst>
+              <a:ext uri="{FF2B5EF4-FFF2-40B4-BE49-F238E27FC236}">
+                <a16:creationId xmlns:a16="http://schemas.microsoft.com/office/drawing/2014/main" id="{98F3B123-8E85-98F3-FC29-FD9CFB3B9A16}"/>
+              </a:ext>
+            </a:extLst>
+          </p:cNvPr>
+          <p:cNvCxnSpPr>
+            <a:cxnSpLocks/>
+          </p:cNvCxnSpPr>
+          <p:nvPr/>
+        </p:nvCxnSpPr>
+        <p:spPr>
+          <a:xfrm flipV="1">
+            <a:off x="2911844" y="12088089"/>
+            <a:ext cx="0" cy="1328739"/>
+          </a:xfrm>
+          <a:prstGeom prst="line">
+            <a:avLst/>
+          </a:prstGeom>
+          <a:ln w="19050">
+            <a:solidFill>
+              <a:srgbClr val="FF0000"/>
+            </a:solidFill>
+          </a:ln>
+        </p:spPr>
+        <p:style>
+          <a:lnRef idx="1">
+            <a:schemeClr val="accent1"/>
+          </a:lnRef>
+          <a:fillRef idx="0">
+            <a:schemeClr val="accent1"/>
+          </a:fillRef>
+          <a:effectRef idx="0">
+            <a:schemeClr val="accent1"/>
+          </a:effectRef>
+          <a:fontRef idx="minor">
+            <a:schemeClr val="tx1"/>
+          </a:fontRef>
+        </p:style>
+      </p:cxnSp>
+      <p:cxnSp>
+        <p:nvCxnSpPr>
+          <p:cNvPr id="20" name="Straight Connector 19">
+            <a:extLst>
+              <a:ext uri="{FF2B5EF4-FFF2-40B4-BE49-F238E27FC236}">
+                <a16:creationId xmlns:a16="http://schemas.microsoft.com/office/drawing/2014/main" id="{A9C7D765-C9B7-448F-C784-7471A184F3C5}"/>
+              </a:ext>
+            </a:extLst>
+          </p:cNvPr>
+          <p:cNvCxnSpPr>
+            <a:cxnSpLocks/>
+          </p:cNvCxnSpPr>
+          <p:nvPr/>
+        </p:nvCxnSpPr>
+        <p:spPr>
+          <a:xfrm>
+            <a:off x="1630739" y="12088087"/>
+            <a:ext cx="1281107" cy="0"/>
+          </a:xfrm>
+          <a:prstGeom prst="line">
+            <a:avLst/>
+          </a:prstGeom>
+          <a:ln w="19050">
+            <a:solidFill>
+              <a:srgbClr val="FF0000"/>
+            </a:solidFill>
+          </a:ln>
+        </p:spPr>
+        <p:style>
+          <a:lnRef idx="1">
+            <a:schemeClr val="accent1"/>
+          </a:lnRef>
+          <a:fillRef idx="0">
+            <a:schemeClr val="accent1"/>
+          </a:fillRef>
+          <a:effectRef idx="0">
+            <a:schemeClr val="accent1"/>
+          </a:effectRef>
+          <a:fontRef idx="minor">
+            <a:schemeClr val="tx1"/>
+          </a:fontRef>
+        </p:style>
+      </p:cxnSp>
+      <p:cxnSp>
+        <p:nvCxnSpPr>
+          <p:cNvPr id="21" name="Straight Arrow Connector 20">
+            <a:extLst>
+              <a:ext uri="{FF2B5EF4-FFF2-40B4-BE49-F238E27FC236}">
+                <a16:creationId xmlns:a16="http://schemas.microsoft.com/office/drawing/2014/main" id="{228FA011-9707-FCA7-56A5-6B204411BBF5}"/>
+              </a:ext>
+            </a:extLst>
+          </p:cNvPr>
+          <p:cNvCxnSpPr>
+            <a:cxnSpLocks/>
+          </p:cNvCxnSpPr>
+          <p:nvPr/>
+        </p:nvCxnSpPr>
+        <p:spPr>
+          <a:xfrm flipH="1">
+            <a:off x="4376503" y="6696978"/>
+            <a:ext cx="2937398" cy="2519486"/>
+          </a:xfrm>
+          <a:prstGeom prst="straightConnector1">
+            <a:avLst/>
+          </a:prstGeom>
+          <a:ln>
+            <a:solidFill>
+              <a:srgbClr val="FF0000"/>
+            </a:solidFill>
+            <a:tailEnd type="triangle"/>
+          </a:ln>
+        </p:spPr>
+        <p:style>
+          <a:lnRef idx="1">
+            <a:schemeClr val="accent1"/>
+          </a:lnRef>
+          <a:fillRef idx="0">
+            <a:schemeClr val="accent1"/>
+          </a:fillRef>
+          <a:effectRef idx="0">
+            <a:schemeClr val="accent1"/>
+          </a:effectRef>
+          <a:fontRef idx="minor">
+            <a:schemeClr val="tx1"/>
+          </a:fontRef>
+        </p:style>
+      </p:cxnSp>
+      <p:sp>
+        <p:nvSpPr>
+          <p:cNvPr id="22" name="TextBox 21">
+            <a:extLst>
+              <a:ext uri="{FF2B5EF4-FFF2-40B4-BE49-F238E27FC236}">
+                <a16:creationId xmlns:a16="http://schemas.microsoft.com/office/drawing/2014/main" id="{32708837-E9B6-E321-7EAA-A2C336D65FC7}"/>
+              </a:ext>
+            </a:extLst>
+          </p:cNvPr>
+          <p:cNvSpPr txBox="1"/>
+          <p:nvPr/>
+        </p:nvSpPr>
+        <p:spPr>
+          <a:xfrm>
+            <a:off x="5752336" y="7334128"/>
+            <a:ext cx="799706" cy="369332"/>
+          </a:xfrm>
+          <a:prstGeom prst="rect">
+            <a:avLst/>
+          </a:prstGeom>
+          <a:noFill/>
+        </p:spPr>
+        <p:txBody>
+          <a:bodyPr wrap="none" rtlCol="0">
+            <a:spAutoFit/>
+          </a:bodyPr>
+          <a:lstStyle/>
+          <a:p>
+            <a:r>
+              <a:rPr lang="en-US" dirty="0"/>
+              <a:t>Saturn</a:t>
+            </a:r>
+          </a:p>
+        </p:txBody>
+      </p:sp>
+      <p:sp>
+        <p:nvSpPr>
+          <p:cNvPr id="23" name="TextBox 22">
+            <a:extLst>
+              <a:ext uri="{FF2B5EF4-FFF2-40B4-BE49-F238E27FC236}">
+                <a16:creationId xmlns:a16="http://schemas.microsoft.com/office/drawing/2014/main" id="{C111AB2F-9039-0C68-A5AE-756D27D2D979}"/>
+              </a:ext>
+            </a:extLst>
+          </p:cNvPr>
+          <p:cNvSpPr txBox="1"/>
+          <p:nvPr/>
+        </p:nvSpPr>
+        <p:spPr>
+          <a:xfrm>
+            <a:off x="7881525" y="7315485"/>
+            <a:ext cx="824969" cy="369332"/>
+          </a:xfrm>
+          <a:prstGeom prst="rect">
+            <a:avLst/>
+          </a:prstGeom>
+          <a:noFill/>
+        </p:spPr>
+        <p:txBody>
+          <a:bodyPr wrap="none" rtlCol="0">
+            <a:spAutoFit/>
+          </a:bodyPr>
+          <a:lstStyle/>
+          <a:p>
+            <a:r>
+              <a:rPr lang="en-US" dirty="0"/>
+              <a:t>Jupiter</a:t>
+            </a:r>
+          </a:p>
+        </p:txBody>
+      </p:sp>
+      <p:sp>
+        <p:nvSpPr>
+          <p:cNvPr id="24" name="TextBox 23">
+            <a:extLst>
+              <a:ext uri="{FF2B5EF4-FFF2-40B4-BE49-F238E27FC236}">
+                <a16:creationId xmlns:a16="http://schemas.microsoft.com/office/drawing/2014/main" id="{A25E83CB-08CD-1E5A-35FB-B05C2A273018}"/>
+              </a:ext>
+            </a:extLst>
+          </p:cNvPr>
+          <p:cNvSpPr txBox="1"/>
+          <p:nvPr/>
+        </p:nvSpPr>
+        <p:spPr>
+          <a:xfrm>
+            <a:off x="9680209" y="7294900"/>
+            <a:ext cx="1422890" cy="369332"/>
+          </a:xfrm>
+          <a:prstGeom prst="rect">
+            <a:avLst/>
+          </a:prstGeom>
+          <a:noFill/>
+        </p:spPr>
+        <p:txBody>
+          <a:bodyPr wrap="none" rtlCol="0">
+            <a:spAutoFit/>
+          </a:bodyPr>
+          <a:lstStyle/>
+          <a:p>
+            <a:r>
+              <a:rPr lang="en-US" dirty="0"/>
+              <a:t>Super Jupiter</a:t>
+            </a:r>
+          </a:p>
+        </p:txBody>
+      </p:sp>
+      <p:sp>
+        <p:nvSpPr>
+          <p:cNvPr id="25" name="Oval 24">
+            <a:extLst>
+              <a:ext uri="{FF2B5EF4-FFF2-40B4-BE49-F238E27FC236}">
+                <a16:creationId xmlns:a16="http://schemas.microsoft.com/office/drawing/2014/main" id="{32836AC7-E2BE-D699-54E8-8DFB50847226}"/>
+              </a:ext>
+            </a:extLst>
+          </p:cNvPr>
+          <p:cNvSpPr/>
+          <p:nvPr/>
+        </p:nvSpPr>
+        <p:spPr>
+          <a:xfrm>
+            <a:off x="1398956" y="4188560"/>
+            <a:ext cx="2682312" cy="330933"/>
+          </a:xfrm>
+          <a:prstGeom prst="ellipse">
+            <a:avLst/>
+          </a:prstGeom>
+          <a:noFill/>
+          <a:ln w="19050">
+            <a:solidFill>
+              <a:srgbClr val="4AD3D9"/>
+            </a:solidFill>
+          </a:ln>
+        </p:spPr>
+        <p:style>
+          <a:lnRef idx="2">
+            <a:schemeClr val="accent1">
+              <a:shade val="15000"/>
+            </a:schemeClr>
+          </a:lnRef>
+          <a:fillRef idx="1">
+            <a:schemeClr val="accent1"/>
+          </a:fillRef>
+          <a:effectRef idx="0">
+            <a:schemeClr val="accent1"/>
+          </a:effectRef>
+          <a:fontRef idx="minor">
+            <a:schemeClr val="lt1"/>
+          </a:fontRef>
+        </p:style>
+        <p:txBody>
+          <a:bodyPr rtlCol="0" anchor="ctr"/>
+          <a:lstStyle/>
+          <a:p>
+            <a:pPr algn="ctr"/>
+            <a:endParaRPr lang="en-US"/>
+          </a:p>
+        </p:txBody>
+      </p:sp>
+      <p:cxnSp>
+        <p:nvCxnSpPr>
+          <p:cNvPr id="26" name="Straight Arrow Connector 25">
+            <a:extLst>
+              <a:ext uri="{FF2B5EF4-FFF2-40B4-BE49-F238E27FC236}">
+                <a16:creationId xmlns:a16="http://schemas.microsoft.com/office/drawing/2014/main" id="{0F9723D3-D9C0-4378-BCF1-D0E4CA1D2863}"/>
+              </a:ext>
+            </a:extLst>
+          </p:cNvPr>
+          <p:cNvCxnSpPr>
+            <a:cxnSpLocks/>
+            <a:stCxn id="25" idx="6"/>
+          </p:cNvCxnSpPr>
+          <p:nvPr/>
+        </p:nvCxnSpPr>
+        <p:spPr>
+          <a:xfrm>
+            <a:off x="4081270" y="4354027"/>
+            <a:ext cx="5964675" cy="3037617"/>
+          </a:xfrm>
+          <a:prstGeom prst="straightConnector1">
+            <a:avLst/>
+          </a:prstGeom>
+          <a:ln w="19050">
+            <a:solidFill>
+              <a:srgbClr val="4AD3D9"/>
+            </a:solidFill>
+            <a:tailEnd type="triangle"/>
+          </a:ln>
+        </p:spPr>
+        <p:style>
+          <a:lnRef idx="1">
+            <a:schemeClr val="accent1"/>
+          </a:lnRef>
+          <a:fillRef idx="0">
+            <a:schemeClr val="accent1"/>
+          </a:fillRef>
+          <a:effectRef idx="0">
+            <a:schemeClr val="accent1"/>
+          </a:effectRef>
+          <a:fontRef idx="minor">
+            <a:schemeClr val="tx1"/>
+          </a:fontRef>
+        </p:style>
+      </p:cxnSp>
+      <p:cxnSp>
+        <p:nvCxnSpPr>
+          <p:cNvPr id="27" name="Straight Connector 26">
+            <a:extLst>
+              <a:ext uri="{FF2B5EF4-FFF2-40B4-BE49-F238E27FC236}">
+                <a16:creationId xmlns:a16="http://schemas.microsoft.com/office/drawing/2014/main" id="{39171C24-2CE8-E0DD-C02E-2BBDB48B6238}"/>
+              </a:ext>
+            </a:extLst>
+          </p:cNvPr>
+          <p:cNvCxnSpPr>
+            <a:cxnSpLocks/>
+          </p:cNvCxnSpPr>
+          <p:nvPr/>
+        </p:nvCxnSpPr>
+        <p:spPr>
+          <a:xfrm>
+            <a:off x="4737822" y="4373535"/>
+            <a:ext cx="4263082" cy="0"/>
+          </a:xfrm>
+          <a:prstGeom prst="line">
+            <a:avLst/>
+          </a:prstGeom>
+          <a:ln w="19050">
+            <a:solidFill>
+              <a:srgbClr val="4AD3D9"/>
+            </a:solidFill>
+          </a:ln>
+        </p:spPr>
+        <p:style>
+          <a:lnRef idx="1">
+            <a:schemeClr val="accent1"/>
+          </a:lnRef>
+          <a:fillRef idx="0">
+            <a:schemeClr val="accent1"/>
+          </a:fillRef>
+          <a:effectRef idx="0">
+            <a:schemeClr val="accent1"/>
+          </a:effectRef>
+          <a:fontRef idx="minor">
+            <a:schemeClr val="tx1"/>
+          </a:fontRef>
+        </p:style>
+      </p:cxnSp>
+      <p:cxnSp>
+        <p:nvCxnSpPr>
+          <p:cNvPr id="28" name="Straight Connector 27">
+            <a:extLst>
+              <a:ext uri="{FF2B5EF4-FFF2-40B4-BE49-F238E27FC236}">
+                <a16:creationId xmlns:a16="http://schemas.microsoft.com/office/drawing/2014/main" id="{7D03B168-F6CA-094B-CD7D-104028E602FA}"/>
+              </a:ext>
+            </a:extLst>
+          </p:cNvPr>
+          <p:cNvCxnSpPr>
+            <a:cxnSpLocks/>
+          </p:cNvCxnSpPr>
+          <p:nvPr/>
+        </p:nvCxnSpPr>
+        <p:spPr>
+          <a:xfrm flipV="1">
+            <a:off x="9000904" y="4365586"/>
+            <a:ext cx="0" cy="2662563"/>
+          </a:xfrm>
+          <a:prstGeom prst="line">
+            <a:avLst/>
+          </a:prstGeom>
+          <a:ln w="19050">
+            <a:solidFill>
+              <a:srgbClr val="4AD3D9"/>
+            </a:solidFill>
+          </a:ln>
+        </p:spPr>
+        <p:style>
+          <a:lnRef idx="1">
+            <a:schemeClr val="accent1"/>
+          </a:lnRef>
+          <a:fillRef idx="0">
+            <a:schemeClr val="accent1"/>
+          </a:fillRef>
+          <a:effectRef idx="0">
+            <a:schemeClr val="accent1"/>
+          </a:effectRef>
+          <a:fontRef idx="minor">
+            <a:schemeClr val="tx1"/>
+          </a:fontRef>
+        </p:style>
+      </p:cxnSp>
+      <p:cxnSp>
+        <p:nvCxnSpPr>
+          <p:cNvPr id="29" name="Straight Connector 28">
+            <a:extLst>
+              <a:ext uri="{FF2B5EF4-FFF2-40B4-BE49-F238E27FC236}">
+                <a16:creationId xmlns:a16="http://schemas.microsoft.com/office/drawing/2014/main" id="{37D639C2-7BE3-6343-EEA0-6610C46ED199}"/>
+              </a:ext>
+            </a:extLst>
+          </p:cNvPr>
+          <p:cNvCxnSpPr>
+            <a:cxnSpLocks/>
+          </p:cNvCxnSpPr>
+          <p:nvPr/>
+        </p:nvCxnSpPr>
+        <p:spPr>
+          <a:xfrm flipV="1">
+            <a:off x="5044119" y="12728603"/>
+            <a:ext cx="0" cy="664370"/>
+          </a:xfrm>
+          <a:prstGeom prst="line">
+            <a:avLst/>
+          </a:prstGeom>
+          <a:ln w="19050">
+            <a:solidFill>
+              <a:srgbClr val="4AD3D9"/>
+            </a:solidFill>
+          </a:ln>
+        </p:spPr>
+        <p:style>
+          <a:lnRef idx="1">
+            <a:schemeClr val="accent1"/>
+          </a:lnRef>
+          <a:fillRef idx="0">
+            <a:schemeClr val="accent1"/>
+          </a:fillRef>
+          <a:effectRef idx="0">
+            <a:schemeClr val="accent1"/>
+          </a:effectRef>
+          <a:fontRef idx="minor">
+            <a:schemeClr val="tx1"/>
+          </a:fontRef>
+        </p:style>
+      </p:cxnSp>
+      <p:cxnSp>
+        <p:nvCxnSpPr>
+          <p:cNvPr id="30" name="Straight Connector 29">
+            <a:extLst>
+              <a:ext uri="{FF2B5EF4-FFF2-40B4-BE49-F238E27FC236}">
+                <a16:creationId xmlns:a16="http://schemas.microsoft.com/office/drawing/2014/main" id="{9EB3EE90-BC99-F24F-A2BE-534CDB1559FA}"/>
+              </a:ext>
+            </a:extLst>
+          </p:cNvPr>
+          <p:cNvCxnSpPr>
+            <a:cxnSpLocks/>
+          </p:cNvCxnSpPr>
+          <p:nvPr/>
+        </p:nvCxnSpPr>
+        <p:spPr>
+          <a:xfrm>
+            <a:off x="1630737" y="12736554"/>
+            <a:ext cx="3413382" cy="0"/>
+          </a:xfrm>
+          <a:prstGeom prst="line">
+            <a:avLst/>
+          </a:prstGeom>
+          <a:ln w="19050">
+            <a:solidFill>
+              <a:srgbClr val="4AD3D9"/>
+            </a:solidFill>
+          </a:ln>
+        </p:spPr>
+        <p:style>
+          <a:lnRef idx="1">
+            <a:schemeClr val="accent1"/>
+          </a:lnRef>
+          <a:fillRef idx="0">
+            <a:schemeClr val="accent1"/>
+          </a:fillRef>
+          <a:effectRef idx="0">
+            <a:schemeClr val="accent1"/>
+          </a:effectRef>
+          <a:fontRef idx="minor">
+            <a:schemeClr val="tx1"/>
+          </a:fontRef>
+        </p:style>
+      </p:cxnSp>
+      <p:cxnSp>
+        <p:nvCxnSpPr>
+          <p:cNvPr id="31" name="Straight Arrow Connector 30">
+            <a:extLst>
+              <a:ext uri="{FF2B5EF4-FFF2-40B4-BE49-F238E27FC236}">
+                <a16:creationId xmlns:a16="http://schemas.microsoft.com/office/drawing/2014/main" id="{1F4FA16A-0752-BFA0-048C-299AEAD2081C}"/>
+              </a:ext>
+            </a:extLst>
+          </p:cNvPr>
+          <p:cNvCxnSpPr>
+            <a:cxnSpLocks/>
+          </p:cNvCxnSpPr>
+          <p:nvPr/>
+        </p:nvCxnSpPr>
+        <p:spPr>
+          <a:xfrm flipV="1">
+            <a:off x="4950368" y="10385847"/>
+            <a:ext cx="4804387" cy="2337257"/>
+          </a:xfrm>
+          <a:prstGeom prst="straightConnector1">
+            <a:avLst/>
+          </a:prstGeom>
+          <a:ln w="19050">
+            <a:solidFill>
+              <a:srgbClr val="4AD3D9"/>
+            </a:solidFill>
+            <a:tailEnd type="triangle"/>
+          </a:ln>
+        </p:spPr>
+        <p:style>
+          <a:lnRef idx="1">
+            <a:schemeClr val="accent1"/>
+          </a:lnRef>
+          <a:fillRef idx="0">
+            <a:schemeClr val="accent1"/>
+          </a:fillRef>
+          <a:effectRef idx="0">
+            <a:schemeClr val="accent1"/>
+          </a:effectRef>
+          <a:fontRef idx="minor">
+            <a:schemeClr val="tx1"/>
+          </a:fontRef>
+        </p:style>
+      </p:cxnSp>
+      <p:sp>
+        <p:nvSpPr>
+          <p:cNvPr id="32" name="Rectangle 31">
+            <a:extLst>
+              <a:ext uri="{FF2B5EF4-FFF2-40B4-BE49-F238E27FC236}">
+                <a16:creationId xmlns:a16="http://schemas.microsoft.com/office/drawing/2014/main" id="{D7974C0B-91DC-B9CA-06D7-B314C184E7AD}"/>
+              </a:ext>
+            </a:extLst>
+          </p:cNvPr>
+          <p:cNvSpPr/>
+          <p:nvPr/>
+        </p:nvSpPr>
+        <p:spPr>
+          <a:xfrm>
+            <a:off x="240184" y="3683483"/>
+            <a:ext cx="11738344" cy="10630306"/>
+          </a:xfrm>
+          <a:prstGeom prst="rect">
+            <a:avLst/>
+          </a:prstGeom>
+          <a:noFill/>
+          <a:ln w="38100">
+            <a:prstDash val="sysDot"/>
+          </a:ln>
+        </p:spPr>
+        <p:style>
+          <a:lnRef idx="2">
+            <a:schemeClr val="accent1">
+              <a:shade val="15000"/>
+            </a:schemeClr>
+          </a:lnRef>
+          <a:fillRef idx="1">
+            <a:schemeClr val="accent1"/>
+          </a:fillRef>
+          <a:effectRef idx="0">
+            <a:schemeClr val="accent1"/>
+          </a:effectRef>
+          <a:fontRef idx="minor">
+            <a:schemeClr val="lt1"/>
+          </a:fontRef>
+        </p:style>
+        <p:txBody>
+          <a:bodyPr rtlCol="0" anchor="ctr"/>
+          <a:lstStyle/>
+          <a:p>
+            <a:pPr algn="ctr"/>
+            <a:endParaRPr lang="en-US"/>
+          </a:p>
+        </p:txBody>
+      </p:sp>
+      <p:cxnSp>
+        <p:nvCxnSpPr>
+          <p:cNvPr id="33" name="Straight Arrow Connector 32">
+            <a:extLst>
+              <a:ext uri="{FF2B5EF4-FFF2-40B4-BE49-F238E27FC236}">
+                <a16:creationId xmlns:a16="http://schemas.microsoft.com/office/drawing/2014/main" id="{A881D78B-D961-2B0C-96CD-22BB43BA25FB}"/>
+              </a:ext>
+            </a:extLst>
+          </p:cNvPr>
+          <p:cNvCxnSpPr>
+            <a:cxnSpLocks/>
+          </p:cNvCxnSpPr>
+          <p:nvPr/>
+        </p:nvCxnSpPr>
+        <p:spPr>
+          <a:xfrm>
+            <a:off x="9010123" y="4393046"/>
+            <a:ext cx="858773" cy="3669138"/>
+          </a:xfrm>
+          <a:prstGeom prst="straightConnector1">
+            <a:avLst/>
+          </a:prstGeom>
+          <a:ln w="19050">
+            <a:solidFill>
+              <a:srgbClr val="4AD3D9"/>
+            </a:solidFill>
+            <a:tailEnd type="triangle"/>
+          </a:ln>
+        </p:spPr>
+        <p:style>
+          <a:lnRef idx="1">
+            <a:schemeClr val="accent1"/>
+          </a:lnRef>
+          <a:fillRef idx="0">
+            <a:schemeClr val="accent1"/>
+          </a:fillRef>
+          <a:effectRef idx="0">
+            <a:schemeClr val="accent1"/>
+          </a:effectRef>
+          <a:fontRef idx="minor">
+            <a:schemeClr val="tx1"/>
+          </a:fontRef>
+        </p:style>
+      </p:cxnSp>
+      <p:sp>
+        <p:nvSpPr>
+          <p:cNvPr id="34" name="TextBox 33">
+            <a:extLst>
+              <a:ext uri="{FF2B5EF4-FFF2-40B4-BE49-F238E27FC236}">
+                <a16:creationId xmlns:a16="http://schemas.microsoft.com/office/drawing/2014/main" id="{A6E738A6-0842-9E7C-6B23-3E2BD4635C56}"/>
+              </a:ext>
+            </a:extLst>
+          </p:cNvPr>
+          <p:cNvSpPr txBox="1"/>
+          <p:nvPr/>
+        </p:nvSpPr>
+        <p:spPr>
+          <a:xfrm>
+            <a:off x="2024190" y="2902316"/>
+            <a:ext cx="8083367" cy="646331"/>
+          </a:xfrm>
+          <a:prstGeom prst="rect">
+            <a:avLst/>
+          </a:prstGeom>
+          <a:noFill/>
+        </p:spPr>
+        <p:txBody>
+          <a:bodyPr wrap="none" rtlCol="0">
+            <a:spAutoFit/>
+          </a:bodyPr>
+          <a:lstStyle/>
+          <a:p>
+            <a:r>
+              <a:rPr lang="en-US" sz="3600" dirty="0"/>
+              <a:t>Planet Parameter Selection Justification</a:t>
+            </a:r>
+          </a:p>
+        </p:txBody>
+      </p:sp>
+    </p:spTree>
+    <p:extLst>
+      <p:ext uri="{BB962C8B-B14F-4D97-AF65-F5344CB8AC3E}">
+        <p14:creationId xmlns:p14="http://schemas.microsoft.com/office/powerpoint/2010/main" val="1101581468"/>
       </p:ext>
     </p:extLst>
   </p:cSld>
